--- a/report SVM handcrafted and PCA/User-authentication with Once-Class SVM after AE.pptx
+++ b/report SVM handcrafted and PCA/User-authentication with Once-Class SVM after AE.pptx
@@ -3022,7 +3022,19 @@
           <a:bodyPr/>
           <a:lstStyle/>
           <a:p>
-            <a:endParaRPr lang="en-US"/>
+            <a:r>
+              <a:rPr lang="en-US" dirty="0" smtClean="0"/>
+              <a:t>After application of </a:t>
+            </a:r>
+            <a:r>
+              <a:rPr lang="en-US" dirty="0" err="1" smtClean="0"/>
+              <a:t>autoencoder</a:t>
+            </a:r>
+            <a:r>
+              <a:rPr lang="en-US" dirty="0" smtClean="0"/>
+              <a:t> to original features</a:t>
+            </a:r>
+            <a:endParaRPr lang="en-US" dirty="0"/>
           </a:p>
         </p:txBody>
       </p:sp>
@@ -4101,23 +4113,15 @@
           <a:p>
             <a:r>
               <a:rPr lang="en-US" dirty="0" smtClean="0"/>
-              <a:t>Title: Average FAR and FRR for all Activities for all users using original </a:t>
+              <a:t>Title: Average FAR and FRR for all Activities for all users using </a:t>
             </a:r>
             <a:r>
               <a:rPr lang="en-US" dirty="0" smtClean="0"/>
-              <a:t>features with AE </a:t>
+              <a:t>AE features </a:t>
             </a:r>
             <a:r>
               <a:rPr lang="en-US" dirty="0" smtClean="0"/>
-              <a:t>from </a:t>
-            </a:r>
-            <a:r>
-              <a:rPr lang="en-US" dirty="0" smtClean="0"/>
-              <a:t>non-filtered </a:t>
-            </a:r>
-            <a:r>
-              <a:rPr lang="en-US" dirty="0" smtClean="0"/>
-              <a:t>data with One-class SVMs</a:t>
+              <a:t>from non-filtered data with One-class SVMs</a:t>
             </a:r>
           </a:p>
         </p:txBody>
@@ -4182,27 +4186,27 @@
           <a:p>
             <a:r>
               <a:rPr lang="en-US" dirty="0" smtClean="0"/>
-              <a:t>Title: Average FAR and FRR for all Activities for all users </a:t>
+              <a:t>Title: Average FAR and FRR for all Activities for all </a:t>
             </a:r>
             <a:r>
               <a:rPr lang="en-US" dirty="0" smtClean="0"/>
-              <a:t>using original features with AE </a:t>
+              <a:t>users </a:t>
             </a:r>
             <a:r>
               <a:rPr lang="en-US" dirty="0" smtClean="0"/>
-              <a:t>from </a:t>
+              <a:t>using </a:t>
+            </a:r>
+            <a:r>
+              <a:rPr lang="en-US" dirty="0"/>
+              <a:t>AE </a:t>
             </a:r>
             <a:r>
               <a:rPr lang="en-US" dirty="0" smtClean="0"/>
-              <a:t>filtered </a:t>
+              <a:t>features from </a:t>
             </a:r>
             <a:r>
               <a:rPr lang="en-US" dirty="0" smtClean="0"/>
-              <a:t>data with One-class </a:t>
-            </a:r>
-            <a:r>
-              <a:rPr lang="en-US" dirty="0" smtClean="0"/>
-              <a:t>SVMs</a:t>
+              <a:t>filtered data with One-class SVMs</a:t>
             </a:r>
             <a:endParaRPr lang="en-US" dirty="0"/>
           </a:p>
@@ -4217,14 +4221,14 @@
           <p:nvPr>
             <p:extLst>
               <p:ext uri="{D42A27DB-BD31-4B8C-83A1-F6EECF244321}">
-                <p14:modId xmlns:p14="http://schemas.microsoft.com/office/powerpoint/2010/main" val="2733395269"/>
+                <p14:modId xmlns:p14="http://schemas.microsoft.com/office/powerpoint/2010/main" val="3947352938"/>
               </p:ext>
             </p:extLst>
           </p:nvPr>
         </p:nvGraphicFramePr>
         <p:xfrm>
-          <a:off x="518099" y="1135343"/>
-          <a:ext cx="11008658" cy="3235960"/>
+          <a:off x="607746" y="1060449"/>
+          <a:ext cx="11008658" cy="5292354"/>
         </p:xfrm>
         <a:graphic>
           <a:graphicData uri="http://schemas.openxmlformats.org/drawingml/2006/table">
@@ -4240,7 +4244,7 @@
                 <a:gridCol w="1550894"/>
                 <a:gridCol w="1712258"/>
               </a:tblGrid>
-              <a:tr h="370840">
+              <a:tr h="701362">
                 <a:tc>
                   <a:txBody>
                     <a:bodyPr/>
@@ -4359,7 +4363,7 @@
                   <a:tcPr/>
                 </a:tc>
               </a:tr>
-              <a:tr h="370840">
+              <a:tr h="655856">
                 <a:tc>
                   <a:txBody>
                     <a:bodyPr/>
@@ -4383,53 +4387,103 @@
                     <a:bodyPr/>
                     <a:lstStyle/>
                     <a:p>
-                      <a:endParaRPr lang="en-US" dirty="0"/>
-                    </a:p>
-                  </a:txBody>
-                  <a:tcPr/>
-                </a:tc>
-                <a:tc>
-                  <a:txBody>
-                    <a:bodyPr/>
-                    <a:lstStyle/>
-                    <a:p>
-                      <a:endParaRPr lang="en-US"/>
-                    </a:p>
-                  </a:txBody>
-                  <a:tcPr/>
-                </a:tc>
-                <a:tc>
-                  <a:txBody>
-                    <a:bodyPr/>
-                    <a:lstStyle/>
-                    <a:p>
-                      <a:endParaRPr lang="en-US"/>
-                    </a:p>
-                  </a:txBody>
-                  <a:tcPr/>
-                </a:tc>
-                <a:tc>
-                  <a:txBody>
-                    <a:bodyPr/>
-                    <a:lstStyle/>
-                    <a:p>
-                      <a:endParaRPr lang="en-US"/>
-                    </a:p>
-                  </a:txBody>
-                  <a:tcPr/>
-                </a:tc>
-                <a:tc>
-                  <a:txBody>
-                    <a:bodyPr/>
-                    <a:lstStyle/>
-                    <a:p>
-                      <a:endParaRPr lang="en-US"/>
+                      <a:r>
+                        <a:rPr lang="en-US" dirty="0" smtClean="0"/>
+                        <a:t>FRR: 0.11588</a:t>
+                      </a:r>
+                    </a:p>
+                    <a:p>
+                      <a:r>
+                        <a:rPr lang="en-US" dirty="0" smtClean="0"/>
+                        <a:t>FAR: 0.83353</a:t>
+                      </a:r>
+                      <a:endParaRPr lang="en-US" dirty="0"/>
+                    </a:p>
+                  </a:txBody>
+                  <a:tcPr/>
+                </a:tc>
+                <a:tc>
+                  <a:txBody>
+                    <a:bodyPr/>
+                    <a:lstStyle/>
+                    <a:p>
+                      <a:r>
+                        <a:rPr lang="en-US" dirty="0" smtClean="0"/>
+                        <a:t>FRR: 0.03704</a:t>
+                      </a:r>
+                    </a:p>
+                    <a:p>
+                      <a:r>
+                        <a:rPr lang="en-US" dirty="0" smtClean="0"/>
+                        <a:t>FAR: 0.63188</a:t>
+                      </a:r>
+                      <a:endParaRPr lang="en-US" dirty="0"/>
+                    </a:p>
+                  </a:txBody>
+                  <a:tcPr/>
+                </a:tc>
+                <a:tc>
+                  <a:txBody>
+                    <a:bodyPr/>
+                    <a:lstStyle/>
+                    <a:p>
+                      <a:r>
+                        <a:rPr lang="en-US" dirty="0" smtClean="0"/>
+                        <a:t>FRR: 0.25000</a:t>
+                      </a:r>
+                    </a:p>
+                    <a:p>
+                      <a:r>
+                        <a:rPr lang="en-US" dirty="0" smtClean="0"/>
+                        <a:t>FAR: 0.67342</a:t>
+                      </a:r>
+                      <a:endParaRPr lang="en-US" dirty="0"/>
+                    </a:p>
+                  </a:txBody>
+                  <a:tcPr/>
+                </a:tc>
+                <a:tc>
+                  <a:txBody>
+                    <a:bodyPr/>
+                    <a:lstStyle/>
+                    <a:p>
+                      <a:r>
+                        <a:rPr lang="en-US" dirty="0" smtClean="0"/>
+                        <a:t>FRR: 0.17241</a:t>
+                      </a:r>
+                    </a:p>
+                    <a:p>
+                      <a:r>
+                        <a:rPr lang="en-US" dirty="0" smtClean="0"/>
+                        <a:t>FAR: 0.54063</a:t>
+                      </a:r>
+                      <a:endParaRPr lang="en-US" dirty="0"/>
+                    </a:p>
+                  </a:txBody>
+                  <a:tcPr/>
+                </a:tc>
+                <a:tc>
+                  <a:txBody>
+                    <a:bodyPr/>
+                    <a:lstStyle/>
+                    <a:p>
+                      <a:r>
+                        <a:rPr lang="en-US" dirty="0" smtClean="0"/>
+                        <a:t>FRR: 0.12336</a:t>
+                      </a:r>
+                    </a:p>
+                    <a:p>
+                      <a:r>
+                        <a:rPr lang="en-US" dirty="0" smtClean="0"/>
+                        <a:t>FAR: 0.84683</a:t>
+                      </a:r>
+                      <a:endParaRPr lang="en-US" dirty="0"/>
                     </a:p>
                   </a:txBody>
                   <a:tcPr/>
                 </a:tc>
               </a:tr>
-              <a:tr h="370840">
+              <a:tr h="655856">
                 <a:tc>
                   <a:txBody>
                     <a:bodyPr/>
@@ -4453,53 +4507,103 @@
                     <a:bodyPr/>
                     <a:lstStyle/>
                     <a:p>
-                      <a:endParaRPr lang="en-US"/>
-                    </a:p>
-                  </a:txBody>
-                  <a:tcPr/>
-                </a:tc>
-                <a:tc>
-                  <a:txBody>
-                    <a:bodyPr/>
-                    <a:lstStyle/>
-                    <a:p>
-                      <a:endParaRPr lang="en-US"/>
-                    </a:p>
-                  </a:txBody>
-                  <a:tcPr/>
-                </a:tc>
-                <a:tc>
-                  <a:txBody>
-                    <a:bodyPr/>
-                    <a:lstStyle/>
-                    <a:p>
-                      <a:endParaRPr lang="en-US"/>
-                    </a:p>
-                  </a:txBody>
-                  <a:tcPr/>
-                </a:tc>
-                <a:tc>
-                  <a:txBody>
-                    <a:bodyPr/>
-                    <a:lstStyle/>
-                    <a:p>
-                      <a:endParaRPr lang="en-US"/>
-                    </a:p>
-                  </a:txBody>
-                  <a:tcPr/>
-                </a:tc>
-                <a:tc>
-                  <a:txBody>
-                    <a:bodyPr/>
-                    <a:lstStyle/>
-                    <a:p>
-                      <a:endParaRPr lang="en-US"/>
+                      <a:r>
+                        <a:rPr lang="en-US" dirty="0" smtClean="0"/>
+                        <a:t>FRR: 0.10256</a:t>
+                      </a:r>
+                    </a:p>
+                    <a:p>
+                      <a:r>
+                        <a:rPr lang="en-US" dirty="0" smtClean="0"/>
+                        <a:t>FAR: 0.70529</a:t>
+                      </a:r>
+                      <a:endParaRPr lang="en-US" dirty="0"/>
+                    </a:p>
+                  </a:txBody>
+                  <a:tcPr/>
+                </a:tc>
+                <a:tc>
+                  <a:txBody>
+                    <a:bodyPr/>
+                    <a:lstStyle/>
+                    <a:p>
+                      <a:r>
+                        <a:rPr lang="en-US" dirty="0" smtClean="0"/>
+                        <a:t>FRR: 0.14085</a:t>
+                      </a:r>
+                    </a:p>
+                    <a:p>
+                      <a:r>
+                        <a:rPr lang="en-US" dirty="0" smtClean="0"/>
+                        <a:t>FAR: 0.29990</a:t>
+                      </a:r>
+                      <a:endParaRPr lang="en-US" dirty="0"/>
+                    </a:p>
+                  </a:txBody>
+                  <a:tcPr/>
+                </a:tc>
+                <a:tc>
+                  <a:txBody>
+                    <a:bodyPr/>
+                    <a:lstStyle/>
+                    <a:p>
+                      <a:r>
+                        <a:rPr lang="en-US" dirty="0" smtClean="0"/>
+                        <a:t>FRR: 0.09184</a:t>
+                      </a:r>
+                    </a:p>
+                    <a:p>
+                      <a:r>
+                        <a:rPr lang="en-US" dirty="0" smtClean="0"/>
+                        <a:t>FAR: 0.68254</a:t>
+                      </a:r>
+                      <a:endParaRPr lang="en-US" dirty="0"/>
+                    </a:p>
+                  </a:txBody>
+                  <a:tcPr/>
+                </a:tc>
+                <a:tc>
+                  <a:txBody>
+                    <a:bodyPr/>
+                    <a:lstStyle/>
+                    <a:p>
+                      <a:r>
+                        <a:rPr lang="en-US" dirty="0" smtClean="0"/>
+                        <a:t>FRR: 0.08163</a:t>
+                      </a:r>
+                    </a:p>
+                    <a:p>
+                      <a:r>
+                        <a:rPr lang="en-US" dirty="0" smtClean="0"/>
+                        <a:t>FAR: 0.84302</a:t>
+                      </a:r>
+                      <a:endParaRPr lang="en-US" dirty="0"/>
+                    </a:p>
+                  </a:txBody>
+                  <a:tcPr/>
+                </a:tc>
+                <a:tc>
+                  <a:txBody>
+                    <a:bodyPr/>
+                    <a:lstStyle/>
+                    <a:p>
+                      <a:r>
+                        <a:rPr lang="en-US" dirty="0" smtClean="0"/>
+                        <a:t>FRR: 0.09447</a:t>
+                      </a:r>
+                    </a:p>
+                    <a:p>
+                      <a:r>
+                        <a:rPr lang="en-US" dirty="0" smtClean="0"/>
+                        <a:t>FAR: 0.79961</a:t>
+                      </a:r>
+                      <a:endParaRPr lang="en-US" dirty="0"/>
                     </a:p>
                   </a:txBody>
                   <a:tcPr/>
                 </a:tc>
               </a:tr>
-              <a:tr h="370840">
+              <a:tr h="655856">
                 <a:tc>
                   <a:txBody>
                     <a:bodyPr/>
@@ -4523,53 +4627,103 @@
                     <a:bodyPr/>
                     <a:lstStyle/>
                     <a:p>
-                      <a:endParaRPr lang="en-US"/>
-                    </a:p>
-                  </a:txBody>
-                  <a:tcPr/>
-                </a:tc>
-                <a:tc>
-                  <a:txBody>
-                    <a:bodyPr/>
-                    <a:lstStyle/>
-                    <a:p>
-                      <a:endParaRPr lang="en-US"/>
-                    </a:p>
-                  </a:txBody>
-                  <a:tcPr/>
-                </a:tc>
-                <a:tc>
-                  <a:txBody>
-                    <a:bodyPr/>
-                    <a:lstStyle/>
-                    <a:p>
-                      <a:endParaRPr lang="en-US"/>
-                    </a:p>
-                  </a:txBody>
-                  <a:tcPr/>
-                </a:tc>
-                <a:tc>
-                  <a:txBody>
-                    <a:bodyPr/>
-                    <a:lstStyle/>
-                    <a:p>
-                      <a:endParaRPr lang="en-US"/>
-                    </a:p>
-                  </a:txBody>
-                  <a:tcPr/>
-                </a:tc>
-                <a:tc>
-                  <a:txBody>
-                    <a:bodyPr/>
-                    <a:lstStyle/>
-                    <a:p>
-                      <a:endParaRPr lang="en-US"/>
+                      <a:r>
+                        <a:rPr lang="en-US" dirty="0" smtClean="0"/>
+                        <a:t>FRR: 0.09877</a:t>
+                      </a:r>
+                    </a:p>
+                    <a:p>
+                      <a:r>
+                        <a:rPr lang="en-US" dirty="0" smtClean="0"/>
+                        <a:t>FAR: 0.86346</a:t>
+                      </a:r>
+                      <a:endParaRPr lang="en-US" dirty="0"/>
+                    </a:p>
+                  </a:txBody>
+                  <a:tcPr/>
+                </a:tc>
+                <a:tc>
+                  <a:txBody>
+                    <a:bodyPr/>
+                    <a:lstStyle/>
+                    <a:p>
+                      <a:r>
+                        <a:rPr lang="en-US" dirty="0" smtClean="0"/>
+                        <a:t>FRR: 0.14458</a:t>
+                      </a:r>
+                    </a:p>
+                    <a:p>
+                      <a:r>
+                        <a:rPr lang="en-US" dirty="0" smtClean="0"/>
+                        <a:t>FAR: 0.68196</a:t>
+                      </a:r>
+                      <a:endParaRPr lang="en-US" dirty="0"/>
+                    </a:p>
+                  </a:txBody>
+                  <a:tcPr/>
+                </a:tc>
+                <a:tc>
+                  <a:txBody>
+                    <a:bodyPr/>
+                    <a:lstStyle/>
+                    <a:p>
+                      <a:r>
+                        <a:rPr lang="en-US" dirty="0" smtClean="0"/>
+                        <a:t>FRR: 0.12987</a:t>
+                      </a:r>
+                    </a:p>
+                    <a:p>
+                      <a:r>
+                        <a:rPr lang="en-US" dirty="0" smtClean="0"/>
+                        <a:t>FAR: 0.48907</a:t>
+                      </a:r>
+                      <a:endParaRPr lang="en-US" dirty="0"/>
+                    </a:p>
+                  </a:txBody>
+                  <a:tcPr/>
+                </a:tc>
+                <a:tc>
+                  <a:txBody>
+                    <a:bodyPr/>
+                    <a:lstStyle/>
+                    <a:p>
+                      <a:r>
+                        <a:rPr lang="en-US" dirty="0" smtClean="0"/>
+                        <a:t>FRR: 0.09302</a:t>
+                      </a:r>
+                    </a:p>
+                    <a:p>
+                      <a:r>
+                        <a:rPr lang="en-US" dirty="0" smtClean="0"/>
+                        <a:t>FAR: 0.52939</a:t>
+                      </a:r>
+                      <a:endParaRPr lang="en-US" dirty="0"/>
+                    </a:p>
+                  </a:txBody>
+                  <a:tcPr/>
+                </a:tc>
+                <a:tc>
+                  <a:txBody>
+                    <a:bodyPr/>
+                    <a:lstStyle/>
+                    <a:p>
+                      <a:r>
+                        <a:rPr lang="en-US" dirty="0" smtClean="0"/>
+                        <a:t>FRR: 0.06733</a:t>
+                      </a:r>
+                    </a:p>
+                    <a:p>
+                      <a:r>
+                        <a:rPr lang="en-US" dirty="0" smtClean="0"/>
+                        <a:t>FAR: 0.78171</a:t>
+                      </a:r>
+                      <a:endParaRPr lang="en-US" dirty="0"/>
                     </a:p>
                   </a:txBody>
                   <a:tcPr/>
                 </a:tc>
               </a:tr>
-              <a:tr h="370840">
+              <a:tr h="655856">
                 <a:tc>
                   <a:txBody>
                     <a:bodyPr/>
@@ -4593,53 +4747,103 @@
                     <a:bodyPr/>
                     <a:lstStyle/>
                     <a:p>
-                      <a:endParaRPr lang="en-US"/>
-                    </a:p>
-                  </a:txBody>
-                  <a:tcPr/>
-                </a:tc>
-                <a:tc>
-                  <a:txBody>
-                    <a:bodyPr/>
-                    <a:lstStyle/>
-                    <a:p>
-                      <a:endParaRPr lang="en-US"/>
-                    </a:p>
-                  </a:txBody>
-                  <a:tcPr/>
-                </a:tc>
-                <a:tc>
-                  <a:txBody>
-                    <a:bodyPr/>
-                    <a:lstStyle/>
-                    <a:p>
-                      <a:endParaRPr lang="en-US"/>
-                    </a:p>
-                  </a:txBody>
-                  <a:tcPr/>
-                </a:tc>
-                <a:tc>
-                  <a:txBody>
-                    <a:bodyPr/>
-                    <a:lstStyle/>
-                    <a:p>
-                      <a:endParaRPr lang="en-US"/>
-                    </a:p>
-                  </a:txBody>
-                  <a:tcPr/>
-                </a:tc>
-                <a:tc>
-                  <a:txBody>
-                    <a:bodyPr/>
-                    <a:lstStyle/>
-                    <a:p>
-                      <a:endParaRPr lang="en-US"/>
+                      <a:r>
+                        <a:rPr lang="en-US" dirty="0" smtClean="0"/>
+                        <a:t>FRR: 0.10390</a:t>
+                      </a:r>
+                    </a:p>
+                    <a:p>
+                      <a:r>
+                        <a:rPr lang="en-US" dirty="0" smtClean="0"/>
+                        <a:t>FAR: 0.66310</a:t>
+                      </a:r>
+                      <a:endParaRPr lang="en-US" dirty="0"/>
+                    </a:p>
+                  </a:txBody>
+                  <a:tcPr/>
+                </a:tc>
+                <a:tc>
+                  <a:txBody>
+                    <a:bodyPr/>
+                    <a:lstStyle/>
+                    <a:p>
+                      <a:r>
+                        <a:rPr lang="en-US" dirty="0" smtClean="0"/>
+                        <a:t>FRR: 0.14493</a:t>
+                      </a:r>
+                    </a:p>
+                    <a:p>
+                      <a:r>
+                        <a:rPr lang="en-US" dirty="0" smtClean="0"/>
+                        <a:t>FAR: 0.28026</a:t>
+                      </a:r>
+                      <a:endParaRPr lang="en-US" dirty="0"/>
+                    </a:p>
+                  </a:txBody>
+                  <a:tcPr/>
+                </a:tc>
+                <a:tc>
+                  <a:txBody>
+                    <a:bodyPr/>
+                    <a:lstStyle/>
+                    <a:p>
+                      <a:r>
+                        <a:rPr lang="en-US" dirty="0" smtClean="0"/>
+                        <a:t>FRR: 0.11765</a:t>
+                      </a:r>
+                    </a:p>
+                    <a:p>
+                      <a:r>
+                        <a:rPr lang="en-US" dirty="0" smtClean="0"/>
+                        <a:t>FAR: 0.66369</a:t>
+                      </a:r>
+                      <a:endParaRPr lang="en-US" dirty="0"/>
+                    </a:p>
+                  </a:txBody>
+                  <a:tcPr/>
+                </a:tc>
+                <a:tc>
+                  <a:txBody>
+                    <a:bodyPr/>
+                    <a:lstStyle/>
+                    <a:p>
+                      <a:r>
+                        <a:rPr lang="en-US" dirty="0" smtClean="0"/>
+                        <a:t>FRR: 0.12360</a:t>
+                      </a:r>
+                    </a:p>
+                    <a:p>
+                      <a:r>
+                        <a:rPr lang="en-US" dirty="0" smtClean="0"/>
+                        <a:t>FAR: 0.63722</a:t>
+                      </a:r>
+                      <a:endParaRPr lang="en-US" dirty="0"/>
+                    </a:p>
+                  </a:txBody>
+                  <a:tcPr/>
+                </a:tc>
+                <a:tc>
+                  <a:txBody>
+                    <a:bodyPr/>
+                    <a:lstStyle/>
+                    <a:p>
+                      <a:r>
+                        <a:rPr lang="en-US" dirty="0" smtClean="0"/>
+                        <a:t>FRR: 0.10732</a:t>
+                      </a:r>
+                    </a:p>
+                    <a:p>
+                      <a:r>
+                        <a:rPr lang="en-US" dirty="0" smtClean="0"/>
+                        <a:t>FAR: 0.82788</a:t>
+                      </a:r>
+                      <a:endParaRPr lang="en-US" dirty="0"/>
                     </a:p>
                   </a:txBody>
                   <a:tcPr/>
                 </a:tc>
               </a:tr>
-              <a:tr h="370840">
+              <a:tr h="655856">
                 <a:tc>
                   <a:txBody>
                     <a:bodyPr/>
@@ -4663,53 +4867,103 @@
                     <a:bodyPr/>
                     <a:lstStyle/>
                     <a:p>
-                      <a:endParaRPr lang="en-US"/>
-                    </a:p>
-                  </a:txBody>
-                  <a:tcPr/>
-                </a:tc>
-                <a:tc>
-                  <a:txBody>
-                    <a:bodyPr/>
-                    <a:lstStyle/>
-                    <a:p>
-                      <a:endParaRPr lang="en-US"/>
-                    </a:p>
-                  </a:txBody>
-                  <a:tcPr/>
-                </a:tc>
-                <a:tc>
-                  <a:txBody>
-                    <a:bodyPr/>
-                    <a:lstStyle/>
-                    <a:p>
-                      <a:endParaRPr lang="en-US"/>
-                    </a:p>
-                  </a:txBody>
-                  <a:tcPr/>
-                </a:tc>
-                <a:tc>
-                  <a:txBody>
-                    <a:bodyPr/>
-                    <a:lstStyle/>
-                    <a:p>
-                      <a:endParaRPr lang="en-US"/>
-                    </a:p>
-                  </a:txBody>
-                  <a:tcPr/>
-                </a:tc>
-                <a:tc>
-                  <a:txBody>
-                    <a:bodyPr/>
-                    <a:lstStyle/>
-                    <a:p>
-                      <a:endParaRPr lang="en-US"/>
+                      <a:r>
+                        <a:rPr lang="en-US" dirty="0" smtClean="0"/>
+                        <a:t>FRR: 0.05430</a:t>
+                      </a:r>
+                    </a:p>
+                    <a:p>
+                      <a:r>
+                        <a:rPr lang="en-US" dirty="0" smtClean="0"/>
+                        <a:t>FAR: 0.78341</a:t>
+                      </a:r>
+                      <a:endParaRPr lang="en-US" dirty="0"/>
+                    </a:p>
+                  </a:txBody>
+                  <a:tcPr/>
+                </a:tc>
+                <a:tc>
+                  <a:txBody>
+                    <a:bodyPr/>
+                    <a:lstStyle/>
+                    <a:p>
+                      <a:r>
+                        <a:rPr lang="en-US" dirty="0" smtClean="0"/>
+                        <a:t>FRR: 0.14925</a:t>
+                      </a:r>
+                    </a:p>
+                    <a:p>
+                      <a:r>
+                        <a:rPr lang="en-US" dirty="0" smtClean="0"/>
+                        <a:t>FAR: 0.20991</a:t>
+                      </a:r>
+                      <a:endParaRPr lang="en-US" dirty="0"/>
+                    </a:p>
+                  </a:txBody>
+                  <a:tcPr/>
+                </a:tc>
+                <a:tc>
+                  <a:txBody>
+                    <a:bodyPr/>
+                    <a:lstStyle/>
+                    <a:p>
+                      <a:r>
+                        <a:rPr lang="en-US" dirty="0" smtClean="0"/>
+                        <a:t>FRR: 0.12121</a:t>
+                      </a:r>
+                    </a:p>
+                    <a:p>
+                      <a:r>
+                        <a:rPr lang="en-US" dirty="0" smtClean="0"/>
+                        <a:t>FAR: 0.10128</a:t>
+                      </a:r>
+                      <a:endParaRPr lang="en-US" dirty="0"/>
+                    </a:p>
+                  </a:txBody>
+                  <a:tcPr/>
+                </a:tc>
+                <a:tc>
+                  <a:txBody>
+                    <a:bodyPr/>
+                    <a:lstStyle/>
+                    <a:p>
+                      <a:r>
+                        <a:rPr lang="en-US" dirty="0" smtClean="0"/>
+                        <a:t>FRR: 0.12500</a:t>
+                      </a:r>
+                    </a:p>
+                    <a:p>
+                      <a:r>
+                        <a:rPr lang="en-US" dirty="0" smtClean="0"/>
+                        <a:t>FAR: 0.29102</a:t>
+                      </a:r>
+                      <a:endParaRPr lang="en-US" dirty="0"/>
+                    </a:p>
+                  </a:txBody>
+                  <a:tcPr/>
+                </a:tc>
+                <a:tc>
+                  <a:txBody>
+                    <a:bodyPr/>
+                    <a:lstStyle/>
+                    <a:p>
+                      <a:r>
+                        <a:rPr lang="en-US" dirty="0" smtClean="0"/>
+                        <a:t>FRR: 0.12188</a:t>
+                      </a:r>
+                    </a:p>
+                    <a:p>
+                      <a:r>
+                        <a:rPr lang="en-US" dirty="0" smtClean="0"/>
+                        <a:t>FAR: 0.74570</a:t>
+                      </a:r>
+                      <a:endParaRPr lang="en-US" dirty="0"/>
                     </a:p>
                   </a:txBody>
                   <a:tcPr/>
                 </a:tc>
               </a:tr>
-              <a:tr h="370840">
+              <a:tr h="655856">
                 <a:tc>
                   <a:txBody>
                     <a:bodyPr/>
@@ -4747,53 +5001,103 @@
                     <a:bodyPr/>
                     <a:lstStyle/>
                     <a:p>
-                      <a:endParaRPr lang="en-US"/>
-                    </a:p>
-                  </a:txBody>
-                  <a:tcPr/>
-                </a:tc>
-                <a:tc>
-                  <a:txBody>
-                    <a:bodyPr/>
-                    <a:lstStyle/>
-                    <a:p>
-                      <a:endParaRPr lang="en-US"/>
-                    </a:p>
-                  </a:txBody>
-                  <a:tcPr/>
-                </a:tc>
-                <a:tc>
-                  <a:txBody>
-                    <a:bodyPr/>
-                    <a:lstStyle/>
-                    <a:p>
-                      <a:endParaRPr lang="en-US"/>
-                    </a:p>
-                  </a:txBody>
-                  <a:tcPr/>
-                </a:tc>
-                <a:tc>
-                  <a:txBody>
-                    <a:bodyPr/>
-                    <a:lstStyle/>
-                    <a:p>
-                      <a:endParaRPr lang="en-US"/>
-                    </a:p>
-                  </a:txBody>
-                  <a:tcPr/>
-                </a:tc>
-                <a:tc>
-                  <a:txBody>
-                    <a:bodyPr/>
-                    <a:lstStyle/>
-                    <a:p>
-                      <a:endParaRPr lang="en-US"/>
+                      <a:r>
+                        <a:rPr lang="en-US" dirty="0" smtClean="0"/>
+                        <a:t>FRR: 0.12450</a:t>
+                      </a:r>
+                    </a:p>
+                    <a:p>
+                      <a:r>
+                        <a:rPr lang="en-US" dirty="0" smtClean="0"/>
+                        <a:t>FAR: 0.87162</a:t>
+                      </a:r>
+                      <a:endParaRPr lang="en-US" dirty="0"/>
+                    </a:p>
+                  </a:txBody>
+                  <a:tcPr/>
+                </a:tc>
+                <a:tc>
+                  <a:txBody>
+                    <a:bodyPr/>
+                    <a:lstStyle/>
+                    <a:p>
+                      <a:r>
+                        <a:rPr lang="en-US" dirty="0" smtClean="0"/>
+                        <a:t>FRR: 0.20213</a:t>
+                      </a:r>
+                    </a:p>
+                    <a:p>
+                      <a:r>
+                        <a:rPr lang="en-US" dirty="0" smtClean="0"/>
+                        <a:t>FAR: 0.91413</a:t>
+                      </a:r>
+                      <a:endParaRPr lang="en-US" dirty="0"/>
+                    </a:p>
+                  </a:txBody>
+                  <a:tcPr/>
+                </a:tc>
+                <a:tc>
+                  <a:txBody>
+                    <a:bodyPr/>
+                    <a:lstStyle/>
+                    <a:p>
+                      <a:r>
+                        <a:rPr lang="en-US" dirty="0" smtClean="0"/>
+                        <a:t>FRR: 0.09901</a:t>
+                      </a:r>
+                    </a:p>
+                    <a:p>
+                      <a:r>
+                        <a:rPr lang="en-US" dirty="0" smtClean="0"/>
+                        <a:t>FAR: 0.81279</a:t>
+                      </a:r>
+                      <a:endParaRPr lang="en-US" dirty="0"/>
+                    </a:p>
+                  </a:txBody>
+                  <a:tcPr/>
+                </a:tc>
+                <a:tc>
+                  <a:txBody>
+                    <a:bodyPr/>
+                    <a:lstStyle/>
+                    <a:p>
+                      <a:r>
+                        <a:rPr lang="en-US" dirty="0" smtClean="0"/>
+                        <a:t>FRR: 0.07619</a:t>
+                      </a:r>
+                    </a:p>
+                    <a:p>
+                      <a:r>
+                        <a:rPr lang="en-US" dirty="0" smtClean="0"/>
+                        <a:t>FAR: 0.88621</a:t>
+                      </a:r>
+                      <a:endParaRPr lang="en-US" dirty="0"/>
+                    </a:p>
+                  </a:txBody>
+                  <a:tcPr/>
+                </a:tc>
+                <a:tc>
+                  <a:txBody>
+                    <a:bodyPr/>
+                    <a:lstStyle/>
+                    <a:p>
+                      <a:r>
+                        <a:rPr lang="en-US" dirty="0" smtClean="0"/>
+                        <a:t>FRR: 0.11726</a:t>
+                      </a:r>
+                    </a:p>
+                    <a:p>
+                      <a:r>
+                        <a:rPr lang="en-US" dirty="0" smtClean="0"/>
+                        <a:t>FAR: 0.84075</a:t>
+                      </a:r>
+                      <a:endParaRPr lang="en-US" dirty="0"/>
                     </a:p>
                   </a:txBody>
                   <a:tcPr/>
                 </a:tc>
               </a:tr>
-              <a:tr h="370840">
+              <a:tr h="655856">
                 <a:tc>
                   <a:txBody>
                     <a:bodyPr/>
@@ -4823,46 +5127,96 @@
                     <a:bodyPr/>
                     <a:lstStyle/>
                     <a:p>
-                      <a:endParaRPr lang="en-US"/>
-                    </a:p>
-                  </a:txBody>
-                  <a:tcPr/>
-                </a:tc>
-                <a:tc>
-                  <a:txBody>
-                    <a:bodyPr/>
-                    <a:lstStyle/>
-                    <a:p>
-                      <a:endParaRPr lang="en-US"/>
-                    </a:p>
-                  </a:txBody>
-                  <a:tcPr/>
-                </a:tc>
-                <a:tc>
-                  <a:txBody>
-                    <a:bodyPr/>
-                    <a:lstStyle/>
-                    <a:p>
-                      <a:endParaRPr lang="en-US"/>
-                    </a:p>
-                  </a:txBody>
-                  <a:tcPr/>
-                </a:tc>
-                <a:tc>
-                  <a:txBody>
-                    <a:bodyPr/>
-                    <a:lstStyle/>
-                    <a:p>
-                      <a:endParaRPr lang="en-US"/>
-                    </a:p>
-                  </a:txBody>
-                  <a:tcPr/>
-                </a:tc>
-                <a:tc>
-                  <a:txBody>
-                    <a:bodyPr/>
-                    <a:lstStyle/>
-                    <a:p>
+                      <a:r>
+                        <a:rPr lang="en-US" dirty="0" smtClean="0"/>
+                        <a:t>FRR: 0.09998</a:t>
+                      </a:r>
+                    </a:p>
+                    <a:p>
+                      <a:r>
+                        <a:rPr lang="en-US" dirty="0" smtClean="0"/>
+                        <a:t>FAR: 0.78674</a:t>
+                      </a:r>
+                      <a:endParaRPr lang="en-US" dirty="0"/>
+                    </a:p>
+                  </a:txBody>
+                  <a:tcPr/>
+                </a:tc>
+                <a:tc>
+                  <a:txBody>
+                    <a:bodyPr/>
+                    <a:lstStyle/>
+                    <a:p>
+                      <a:r>
+                        <a:rPr lang="en-US" dirty="0" smtClean="0"/>
+                        <a:t>FRR: 0.13646</a:t>
+                      </a:r>
+                    </a:p>
+                    <a:p>
+                      <a:r>
+                        <a:rPr lang="en-US" dirty="0" smtClean="0"/>
+                        <a:t>FAR: 0.50301</a:t>
+                      </a:r>
+                      <a:endParaRPr lang="en-US" dirty="0"/>
+                    </a:p>
+                  </a:txBody>
+                  <a:tcPr/>
+                </a:tc>
+                <a:tc>
+                  <a:txBody>
+                    <a:bodyPr/>
+                    <a:lstStyle/>
+                    <a:p>
+                      <a:r>
+                        <a:rPr lang="en-US" dirty="0" smtClean="0"/>
+                        <a:t>FRR: 0.13493</a:t>
+                      </a:r>
+                    </a:p>
+                    <a:p>
+                      <a:r>
+                        <a:rPr lang="en-US" dirty="0" smtClean="0"/>
+                        <a:t>FAR: 0.57047</a:t>
+                      </a:r>
+                      <a:endParaRPr lang="en-US" dirty="0"/>
+                    </a:p>
+                  </a:txBody>
+                  <a:tcPr/>
+                </a:tc>
+                <a:tc>
+                  <a:txBody>
+                    <a:bodyPr/>
+                    <a:lstStyle/>
+                    <a:p>
+                      <a:r>
+                        <a:rPr lang="en-US" dirty="0" smtClean="0"/>
+                        <a:t>FRR: 0.11198</a:t>
+                      </a:r>
+                    </a:p>
+                    <a:p>
+                      <a:r>
+                        <a:rPr lang="en-US" dirty="0" smtClean="0"/>
+                        <a:t>FAR: 0.62125</a:t>
+                      </a:r>
+                      <a:endParaRPr lang="en-US" dirty="0"/>
+                    </a:p>
+                  </a:txBody>
+                  <a:tcPr/>
+                </a:tc>
+                <a:tc>
+                  <a:txBody>
+                    <a:bodyPr/>
+                    <a:lstStyle/>
+                    <a:p>
+                      <a:r>
+                        <a:rPr lang="en-US" dirty="0" smtClean="0"/>
+                        <a:t>FRR: 0.10527</a:t>
+                      </a:r>
+                    </a:p>
+                    <a:p>
+                      <a:r>
+                        <a:rPr lang="en-US" dirty="0" smtClean="0"/>
+                        <a:t>FAR: 0.80708</a:t>
+                      </a:r>
                       <a:endParaRPr lang="en-US" dirty="0"/>
                     </a:p>
                   </a:txBody>
